--- a/二評文件/二評雜項/PP. 3-1系統架構圖.pptx
+++ b/二評文件/二評雜項/PP. 3-1系統架構圖.pptx
@@ -3522,10 +3522,6 @@
               </a:rPr>
               <a:t>庫</a:t>
             </a:r>
-            <a:endParaRPr lang="zh-TW" altLang="en-US" dirty="0">
-              <a:latin typeface="標楷體" panose="03000509000000000000" pitchFamily="65" charset="-120"/>
-              <a:ea typeface="標楷體" panose="03000509000000000000" pitchFamily="65" charset="-120"/>
-            </a:endParaRPr>
           </a:p>
         </p:txBody>
       </p:sp>
@@ -3565,10 +3561,6 @@
               </a:rPr>
               <a:t>統</a:t>
             </a:r>
-            <a:endParaRPr lang="zh-TW" altLang="en-US" dirty="0">
-              <a:latin typeface="標楷體" panose="03000509000000000000" pitchFamily="65" charset="-120"/>
-              <a:ea typeface="標楷體" panose="03000509000000000000" pitchFamily="65" charset="-120"/>
-            </a:endParaRPr>
           </a:p>
         </p:txBody>
       </p:sp>
